--- a/fig/summary.pptx
+++ b/fig/summary.pptx
@@ -104,6 +104,11 @@
       </a:defRPr>
     </a:lvl9pPr>
   </p:defaultTextStyle>
+  <p:extLst>
+    <p:ext uri="{EFAFB233-063F-42B5-8137-9DF3F51BA10A}">
+      <p15:sldGuideLst xmlns:p15="http://schemas.microsoft.com/office/powerpoint/2012/main"/>
+    </p:ext>
+  </p:extLst>
 </p:presentation>
 </file>
 
@@ -238,7 +243,7 @@
           <a:p>
             <a:fld id="{816E4436-97B6-44AB-A5EB-8E3CA4801C16}" type="datetimeFigureOut">
               <a:rPr lang="zh-CN" altLang="en-US" smtClean="0"/>
-              <a:t>2018/8/23</a:t>
+              <a:t>2018/8/25</a:t>
             </a:fld>
             <a:endParaRPr lang="zh-CN" altLang="en-US"/>
           </a:p>
@@ -408,7 +413,7 @@
           <a:p>
             <a:fld id="{816E4436-97B6-44AB-A5EB-8E3CA4801C16}" type="datetimeFigureOut">
               <a:rPr lang="zh-CN" altLang="en-US" smtClean="0"/>
-              <a:t>2018/8/23</a:t>
+              <a:t>2018/8/25</a:t>
             </a:fld>
             <a:endParaRPr lang="zh-CN" altLang="en-US"/>
           </a:p>
@@ -588,7 +593,7 @@
           <a:p>
             <a:fld id="{816E4436-97B6-44AB-A5EB-8E3CA4801C16}" type="datetimeFigureOut">
               <a:rPr lang="zh-CN" altLang="en-US" smtClean="0"/>
-              <a:t>2018/8/23</a:t>
+              <a:t>2018/8/25</a:t>
             </a:fld>
             <a:endParaRPr lang="zh-CN" altLang="en-US"/>
           </a:p>
@@ -758,7 +763,7 @@
           <a:p>
             <a:fld id="{816E4436-97B6-44AB-A5EB-8E3CA4801C16}" type="datetimeFigureOut">
               <a:rPr lang="zh-CN" altLang="en-US" smtClean="0"/>
-              <a:t>2018/8/23</a:t>
+              <a:t>2018/8/25</a:t>
             </a:fld>
             <a:endParaRPr lang="zh-CN" altLang="en-US"/>
           </a:p>
@@ -1004,7 +1009,7 @@
           <a:p>
             <a:fld id="{816E4436-97B6-44AB-A5EB-8E3CA4801C16}" type="datetimeFigureOut">
               <a:rPr lang="zh-CN" altLang="en-US" smtClean="0"/>
-              <a:t>2018/8/23</a:t>
+              <a:t>2018/8/25</a:t>
             </a:fld>
             <a:endParaRPr lang="zh-CN" altLang="en-US"/>
           </a:p>
@@ -1236,7 +1241,7 @@
           <a:p>
             <a:fld id="{816E4436-97B6-44AB-A5EB-8E3CA4801C16}" type="datetimeFigureOut">
               <a:rPr lang="zh-CN" altLang="en-US" smtClean="0"/>
-              <a:t>2018/8/23</a:t>
+              <a:t>2018/8/25</a:t>
             </a:fld>
             <a:endParaRPr lang="zh-CN" altLang="en-US"/>
           </a:p>
@@ -1603,7 +1608,7 @@
           <a:p>
             <a:fld id="{816E4436-97B6-44AB-A5EB-8E3CA4801C16}" type="datetimeFigureOut">
               <a:rPr lang="zh-CN" altLang="en-US" smtClean="0"/>
-              <a:t>2018/8/23</a:t>
+              <a:t>2018/8/25</a:t>
             </a:fld>
             <a:endParaRPr lang="zh-CN" altLang="en-US"/>
           </a:p>
@@ -1721,7 +1726,7 @@
           <a:p>
             <a:fld id="{816E4436-97B6-44AB-A5EB-8E3CA4801C16}" type="datetimeFigureOut">
               <a:rPr lang="zh-CN" altLang="en-US" smtClean="0"/>
-              <a:t>2018/8/23</a:t>
+              <a:t>2018/8/25</a:t>
             </a:fld>
             <a:endParaRPr lang="zh-CN" altLang="en-US"/>
           </a:p>
@@ -1816,7 +1821,7 @@
           <a:p>
             <a:fld id="{816E4436-97B6-44AB-A5EB-8E3CA4801C16}" type="datetimeFigureOut">
               <a:rPr lang="zh-CN" altLang="en-US" smtClean="0"/>
-              <a:t>2018/8/23</a:t>
+              <a:t>2018/8/25</a:t>
             </a:fld>
             <a:endParaRPr lang="zh-CN" altLang="en-US"/>
           </a:p>
@@ -2093,7 +2098,7 @@
           <a:p>
             <a:fld id="{816E4436-97B6-44AB-A5EB-8E3CA4801C16}" type="datetimeFigureOut">
               <a:rPr lang="zh-CN" altLang="en-US" smtClean="0"/>
-              <a:t>2018/8/23</a:t>
+              <a:t>2018/8/25</a:t>
             </a:fld>
             <a:endParaRPr lang="zh-CN" altLang="en-US"/>
           </a:p>
@@ -2346,7 +2351,7 @@
           <a:p>
             <a:fld id="{816E4436-97B6-44AB-A5EB-8E3CA4801C16}" type="datetimeFigureOut">
               <a:rPr lang="zh-CN" altLang="en-US" smtClean="0"/>
-              <a:t>2018/8/23</a:t>
+              <a:t>2018/8/25</a:t>
             </a:fld>
             <a:endParaRPr lang="zh-CN" altLang="en-US"/>
           </a:p>
@@ -2559,7 +2564,7 @@
           <a:p>
             <a:fld id="{816E4436-97B6-44AB-A5EB-8E3CA4801C16}" type="datetimeFigureOut">
               <a:rPr lang="zh-CN" altLang="en-US" smtClean="0"/>
-              <a:t>2018/8/23</a:t>
+              <a:t>2018/8/25</a:t>
             </a:fld>
             <a:endParaRPr lang="zh-CN" altLang="en-US"/>
           </a:p>
@@ -3089,7 +3094,7 @@
         </p:nvCxnSpPr>
         <p:spPr>
           <a:xfrm>
-            <a:off x="7599328" y="410547"/>
+            <a:off x="7793653" y="410547"/>
             <a:ext cx="0" cy="5667524"/>
           </a:xfrm>
           <a:prstGeom prst="line">
@@ -3128,7 +3133,7 @@
         </p:nvCxnSpPr>
         <p:spPr>
           <a:xfrm>
-            <a:off x="9334822" y="410547"/>
+            <a:off x="9529147" y="410547"/>
             <a:ext cx="0" cy="5667524"/>
           </a:xfrm>
           <a:prstGeom prst="line">
@@ -3168,7 +3173,7 @@
         <p:spPr>
           <a:xfrm>
             <a:off x="329681" y="2775138"/>
-            <a:ext cx="9231178" cy="0"/>
+            <a:ext cx="9452674" cy="0"/>
           </a:xfrm>
           <a:prstGeom prst="line">
             <a:avLst/>
@@ -3246,7 +3251,7 @@
         <p:spPr>
           <a:xfrm>
             <a:off x="329681" y="5788954"/>
-            <a:ext cx="9231178" cy="0"/>
+            <a:ext cx="9452674" cy="0"/>
           </a:xfrm>
           <a:prstGeom prst="line">
             <a:avLst/>
@@ -3285,7 +3290,7 @@
         <p:spPr>
           <a:xfrm>
             <a:off x="329681" y="1268232"/>
-            <a:ext cx="9231178" cy="0"/>
+            <a:ext cx="9452674" cy="0"/>
           </a:xfrm>
           <a:prstGeom prst="line">
             <a:avLst/>
@@ -3607,8 +3612,8 @@
         </p:nvSpPr>
         <p:spPr>
           <a:xfrm>
-            <a:off x="5863834" y="410547"/>
-            <a:ext cx="1735494" cy="858416"/>
+            <a:off x="5863833" y="410547"/>
+            <a:ext cx="1928405" cy="858416"/>
           </a:xfrm>
           <a:prstGeom prst="rect">
             <a:avLst/>
@@ -3667,7 +3672,7 @@
         </p:nvSpPr>
         <p:spPr>
           <a:xfrm>
-            <a:off x="7599328" y="410547"/>
+            <a:off x="7793653" y="410547"/>
             <a:ext cx="1735494" cy="858416"/>
           </a:xfrm>
           <a:prstGeom prst="rect">
@@ -3907,7 +3912,7 @@
         </p:nvSpPr>
         <p:spPr>
           <a:xfrm rot="16200000">
-            <a:off x="1221527" y="1502283"/>
+            <a:off x="1220978" y="1502284"/>
             <a:ext cx="1506907" cy="1038808"/>
           </a:xfrm>
           <a:prstGeom prst="roundRect">
@@ -4463,8 +4468,8 @@
         </p:nvSpPr>
         <p:spPr>
           <a:xfrm rot="16200000">
-            <a:off x="4033319" y="3098748"/>
-            <a:ext cx="4520725" cy="859695"/>
+            <a:off x="3924095" y="3213450"/>
+            <a:ext cx="4520725" cy="643913"/>
           </a:xfrm>
           <a:prstGeom prst="roundRect">
             <a:avLst>
@@ -4534,8 +4539,8 @@
         </p:nvSpPr>
         <p:spPr>
           <a:xfrm rot="16200000">
-            <a:off x="5654519" y="3844148"/>
-            <a:ext cx="3013818" cy="875799"/>
+            <a:off x="5320795" y="3952541"/>
+            <a:ext cx="3013818" cy="643912"/>
           </a:xfrm>
           <a:prstGeom prst="roundRect">
             <a:avLst>
@@ -4585,7 +4590,17 @@
                   </a:schemeClr>
                 </a:solidFill>
               </a:rPr>
-              <a:t>5.3 Loop Tiling</a:t>
+              <a:t>5.3.2 </a:t>
+            </a:r>
+            <a:r>
+              <a:rPr lang="en-US" altLang="zh-CN" b="1" dirty="0" smtClean="0">
+                <a:solidFill>
+                  <a:schemeClr val="accent1">
+                    <a:lumMod val="50000"/>
+                  </a:schemeClr>
+                </a:solidFill>
+              </a:rPr>
+              <a:t>Loop Tiling</a:t>
             </a:r>
             <a:endParaRPr lang="zh-CN" altLang="en-US" b="1" dirty="0">
               <a:solidFill>
@@ -4605,7 +4620,7 @@
         </p:nvSpPr>
         <p:spPr>
           <a:xfrm rot="16200000">
-            <a:off x="8132972" y="4587105"/>
+            <a:off x="8327297" y="4587105"/>
             <a:ext cx="1506909" cy="896787"/>
           </a:xfrm>
           <a:prstGeom prst="roundRect">
@@ -4656,8 +4671,35 @@
                   </a:schemeClr>
                 </a:solidFill>
               </a:rPr>
-              <a:t>5.3 </a:t>
-            </a:r>
+              <a:t>5.3</a:t>
+            </a:r>
+            <a:r>
+              <a:rPr lang="en-US" altLang="zh-CN" b="1" dirty="0" smtClean="0">
+                <a:solidFill>
+                  <a:schemeClr val="accent1">
+                    <a:lumMod val="50000"/>
+                  </a:schemeClr>
+                </a:solidFill>
+              </a:rPr>
+              <a:t>.3</a:t>
+            </a:r>
+            <a:r>
+              <a:rPr lang="en-US" altLang="zh-CN" b="1" dirty="0" smtClean="0">
+                <a:solidFill>
+                  <a:schemeClr val="accent1">
+                    <a:lumMod val="50000"/>
+                  </a:schemeClr>
+                </a:solidFill>
+              </a:rPr>
+              <a:t> </a:t>
+            </a:r>
+            <a:endParaRPr lang="en-US" altLang="zh-CN" b="1" dirty="0" smtClean="0">
+              <a:solidFill>
+                <a:schemeClr val="accent1">
+                  <a:lumMod val="50000"/>
+                </a:schemeClr>
+              </a:solidFill>
+            </a:endParaRPr>
           </a:p>
           <a:p>
             <a:pPr algn="ctr"/>
@@ -4689,7 +4731,7 @@
         </p:nvSpPr>
         <p:spPr>
           <a:xfrm rot="16200000">
-            <a:off x="5758321" y="3109243"/>
+            <a:off x="5952646" y="3109243"/>
             <a:ext cx="4520720" cy="838702"/>
           </a:xfrm>
           <a:prstGeom prst="roundRect">
@@ -4740,7 +4782,88 @@
                   </a:schemeClr>
                 </a:solidFill>
               </a:rPr>
-              <a:t>5.2 Pipeline of layers</a:t>
+              <a:t>5.2.1. </a:t>
+            </a:r>
+            <a:r>
+              <a:rPr lang="en-US" altLang="zh-CN" b="1" dirty="0" smtClean="0">
+                <a:solidFill>
+                  <a:schemeClr val="accent1">
+                    <a:lumMod val="50000"/>
+                  </a:schemeClr>
+                </a:solidFill>
+              </a:rPr>
+              <a:t>Pipeline of layers</a:t>
+            </a:r>
+            <a:endParaRPr lang="zh-CN" altLang="en-US" b="1" dirty="0">
+              <a:solidFill>
+                <a:schemeClr val="accent1">
+                  <a:lumMod val="50000"/>
+                </a:schemeClr>
+              </a:solidFill>
+            </a:endParaRPr>
+          </a:p>
+        </p:txBody>
+      </p:sp>
+      <p:sp>
+        <p:nvSpPr>
+          <p:cNvPr id="33" name="圆角矩形 32"/>
+          <p:cNvSpPr/>
+          <p:nvPr/>
+        </p:nvSpPr>
+        <p:spPr>
+          <a:xfrm rot="16200000">
+            <a:off x="5963374" y="3960085"/>
+            <a:ext cx="3013818" cy="643912"/>
+          </a:xfrm>
+          <a:prstGeom prst="roundRect">
+            <a:avLst>
+              <a:gd name="adj" fmla="val 14272"/>
+            </a:avLst>
+          </a:prstGeom>
+          <a:solidFill>
+            <a:schemeClr val="accent1">
+              <a:lumMod val="20000"/>
+              <a:lumOff val="80000"/>
+            </a:schemeClr>
+          </a:solidFill>
+          <a:ln w="25400">
+            <a:solidFill>
+              <a:schemeClr val="accent1">
+                <a:lumMod val="50000"/>
+              </a:schemeClr>
+            </a:solidFill>
+          </a:ln>
+        </p:spPr>
+        <p:style>
+          <a:lnRef idx="2">
+            <a:schemeClr val="accent2">
+              <a:shade val="50000"/>
+            </a:schemeClr>
+          </a:lnRef>
+          <a:fillRef idx="1">
+            <a:schemeClr val="accent2"/>
+          </a:fillRef>
+          <a:effectRef idx="0">
+            <a:schemeClr val="accent2"/>
+          </a:effectRef>
+          <a:fontRef idx="minor">
+            <a:schemeClr val="lt1"/>
+          </a:fontRef>
+        </p:style>
+        <p:txBody>
+          <a:bodyPr lIns="0" tIns="0" rIns="0" bIns="0" rtlCol="0" anchor="ctr"/>
+          <a:lstStyle/>
+          <a:p>
+            <a:pPr algn="ctr"/>
+            <a:r>
+              <a:rPr lang="en-US" altLang="zh-CN" b="1" dirty="0" smtClean="0">
+                <a:solidFill>
+                  <a:schemeClr val="accent1">
+                    <a:lumMod val="50000"/>
+                  </a:schemeClr>
+                </a:solidFill>
+              </a:rPr>
+              <a:t>5.3.4 Regularize Data Access</a:t>
             </a:r>
             <a:endParaRPr lang="zh-CN" altLang="en-US" b="1" dirty="0">
               <a:solidFill>
